--- a/presentation/final_presen_j2200156.pptx
+++ b/presentation/final_presen_j2200156.pptx
@@ -3161,6 +3161,9 @@
           <a:bodyPr/>
           <a:lstStyle/>
           <a:p>
+            <a:pPr marL="139700" indent="0">
+              <a:buNone/>
+            </a:pPr>
             <a:endParaRPr kumimoji="1" lang="ja-JP" altLang="en-US" dirty="0"/>
           </a:p>
         </p:txBody>
